--- a/calico/1-kind-calico-ipip/ppt/Calico IPIP Mode.pptx
+++ b/calico/1-kind-calico-ipip/ppt/Calico IPIP Mode.pptx
@@ -238,7 +238,7 @@
           <a:p>
             <a:fld id="{CD89AB48-EC1A-4A39-B4C6-89F25CEF807F}" type="datetimeFigureOut">
               <a:rPr lang="zh-CN" altLang="en-US" smtClean="0"/>
-              <a:t>2022/12/22</a:t>
+              <a:t>2022/12/23</a:t>
             </a:fld>
             <a:endParaRPr lang="zh-CN" altLang="en-US"/>
           </a:p>
@@ -718,7 +718,7 @@
           <a:p>
             <a:fld id="{AE964B65-661F-4159-8270-50D113BF5E1B}" type="datetimeFigureOut">
               <a:rPr lang="zh-CN" altLang="en-US" smtClean="0"/>
-              <a:t>2022/12/22</a:t>
+              <a:t>2022/12/23</a:t>
             </a:fld>
             <a:endParaRPr lang="zh-CN" altLang="en-US"/>
           </a:p>
@@ -886,7 +886,7 @@
           <a:p>
             <a:fld id="{AE964B65-661F-4159-8270-50D113BF5E1B}" type="datetimeFigureOut">
               <a:rPr lang="zh-CN" altLang="en-US" smtClean="0"/>
-              <a:t>2022/12/22</a:t>
+              <a:t>2022/12/23</a:t>
             </a:fld>
             <a:endParaRPr lang="zh-CN" altLang="en-US"/>
           </a:p>
@@ -1064,7 +1064,7 @@
           <a:p>
             <a:fld id="{AE964B65-661F-4159-8270-50D113BF5E1B}" type="datetimeFigureOut">
               <a:rPr lang="zh-CN" altLang="en-US" smtClean="0"/>
-              <a:t>2022/12/22</a:t>
+              <a:t>2022/12/23</a:t>
             </a:fld>
             <a:endParaRPr lang="zh-CN" altLang="en-US"/>
           </a:p>
@@ -1232,7 +1232,7 @@
           <a:p>
             <a:fld id="{AE964B65-661F-4159-8270-50D113BF5E1B}" type="datetimeFigureOut">
               <a:rPr lang="zh-CN" altLang="en-US" smtClean="0"/>
-              <a:t>2022/12/22</a:t>
+              <a:t>2022/12/23</a:t>
             </a:fld>
             <a:endParaRPr lang="zh-CN" altLang="en-US"/>
           </a:p>
@@ -1477,7 +1477,7 @@
           <a:p>
             <a:fld id="{AE964B65-661F-4159-8270-50D113BF5E1B}" type="datetimeFigureOut">
               <a:rPr lang="zh-CN" altLang="en-US" smtClean="0"/>
-              <a:t>2022/12/22</a:t>
+              <a:t>2022/12/23</a:t>
             </a:fld>
             <a:endParaRPr lang="zh-CN" altLang="en-US"/>
           </a:p>
@@ -1706,7 +1706,7 @@
           <a:p>
             <a:fld id="{AE964B65-661F-4159-8270-50D113BF5E1B}" type="datetimeFigureOut">
               <a:rPr lang="zh-CN" altLang="en-US" smtClean="0"/>
-              <a:t>2022/12/22</a:t>
+              <a:t>2022/12/23</a:t>
             </a:fld>
             <a:endParaRPr lang="zh-CN" altLang="en-US"/>
           </a:p>
@@ -2070,7 +2070,7 @@
           <a:p>
             <a:fld id="{AE964B65-661F-4159-8270-50D113BF5E1B}" type="datetimeFigureOut">
               <a:rPr lang="zh-CN" altLang="en-US" smtClean="0"/>
-              <a:t>2022/12/22</a:t>
+              <a:t>2022/12/23</a:t>
             </a:fld>
             <a:endParaRPr lang="zh-CN" altLang="en-US"/>
           </a:p>
@@ -2187,7 +2187,7 @@
           <a:p>
             <a:fld id="{AE964B65-661F-4159-8270-50D113BF5E1B}" type="datetimeFigureOut">
               <a:rPr lang="zh-CN" altLang="en-US" smtClean="0"/>
-              <a:t>2022/12/22</a:t>
+              <a:t>2022/12/23</a:t>
             </a:fld>
             <a:endParaRPr lang="zh-CN" altLang="en-US"/>
           </a:p>
@@ -2287,7 +2287,7 @@
           <a:p>
             <a:fld id="{AE964B65-661F-4159-8270-50D113BF5E1B}" type="datetimeFigureOut">
               <a:rPr lang="zh-CN" altLang="en-US" smtClean="0"/>
-              <a:t>2022/12/22</a:t>
+              <a:t>2022/12/23</a:t>
             </a:fld>
             <a:endParaRPr lang="zh-CN" altLang="en-US" dirty="0"/>
           </a:p>
@@ -2572,7 +2572,7 @@
           <a:p>
             <a:fld id="{AE964B65-661F-4159-8270-50D113BF5E1B}" type="datetimeFigureOut">
               <a:rPr lang="zh-CN" altLang="en-US" smtClean="0"/>
-              <a:t>2022/12/22</a:t>
+              <a:t>2022/12/23</a:t>
             </a:fld>
             <a:endParaRPr lang="zh-CN" altLang="en-US"/>
           </a:p>
@@ -2824,7 +2824,7 @@
           <a:p>
             <a:fld id="{AE964B65-661F-4159-8270-50D113BF5E1B}" type="datetimeFigureOut">
               <a:rPr lang="zh-CN" altLang="en-US" smtClean="0"/>
-              <a:t>2022/12/22</a:t>
+              <a:t>2022/12/23</a:t>
             </a:fld>
             <a:endParaRPr lang="zh-CN" altLang="en-US"/>
           </a:p>
@@ -3035,7 +3035,7 @@
           <a:p>
             <a:fld id="{AE964B65-661F-4159-8270-50D113BF5E1B}" type="datetimeFigureOut">
               <a:rPr lang="zh-CN" altLang="en-US" smtClean="0"/>
-              <a:t>2022/12/22</a:t>
+              <a:t>2022/12/23</a:t>
             </a:fld>
             <a:endParaRPr lang="zh-CN" altLang="en-US"/>
           </a:p>
@@ -6222,21 +6222,8 @@
                 <a:ea typeface="微软雅黑" panose="020B0503020204020204" pitchFamily="34" charset="-122"/>
                 <a:cs typeface="Arial" panose="020B0604020202020204" pitchFamily="34" charset="0"/>
               </a:rPr>
-              <a:t>172.18.0.1</a:t>
-            </a:r>
-            <a:r>
-              <a:rPr lang="en-US" sz="1400" i="1" dirty="0" smtClean="0">
-                <a:latin typeface="Arial" panose="020B0604020202020204" pitchFamily="34" charset="0"/>
-                <a:ea typeface="微软雅黑" panose="020B0503020204020204" pitchFamily="34" charset="-122"/>
-                <a:cs typeface="Arial" panose="020B0604020202020204" pitchFamily="34" charset="0"/>
-              </a:rPr>
-              <a:t>/16</a:t>
-            </a:r>
-            <a:endParaRPr lang="en-US" sz="1400" i="1" dirty="0" smtClean="0">
-              <a:latin typeface="Arial" panose="020B0604020202020204" pitchFamily="34" charset="0"/>
-              <a:ea typeface="微软雅黑" panose="020B0503020204020204" pitchFamily="34" charset="-122"/>
-              <a:cs typeface="Arial" panose="020B0604020202020204" pitchFamily="34" charset="0"/>
-            </a:endParaRPr>
+              <a:t>172.18.0.1/16</a:t>
+            </a:r>
           </a:p>
         </p:txBody>
       </p:sp>
@@ -10010,45 +9997,6 @@
       </p:sp>
       <p:sp>
         <p:nvSpPr>
-          <p:cNvPr id="2" name="文本框 1">
-            <a:extLst>
-              <a:ext uri="{FF2B5EF4-FFF2-40B4-BE49-F238E27FC236}">
-                <a16:creationId xmlns:a16="http://schemas.microsoft.com/office/drawing/2014/main" id="{6DC546DA-1FC2-4E39-9184-5487A26EDADA}"/>
-              </a:ext>
-            </a:extLst>
-          </p:cNvPr>
-          <p:cNvSpPr txBox="1"/>
-          <p:nvPr/>
-        </p:nvSpPr>
-        <p:spPr>
-          <a:xfrm>
-            <a:off x="531223" y="391886"/>
-            <a:ext cx="3047629" cy="338554"/>
-          </a:xfrm>
-          <a:prstGeom prst="rect">
-            <a:avLst/>
-          </a:prstGeom>
-          <a:noFill/>
-        </p:spPr>
-        <p:txBody>
-          <a:bodyPr wrap="none" rtlCol="0">
-            <a:spAutoFit/>
-          </a:bodyPr>
-          <a:lstStyle/>
-          <a:p>
-            <a:r>
-              <a:rPr lang="en-US" altLang="zh-CN" sz="1600" dirty="0" smtClean="0">
-                <a:latin typeface="Arial" panose="020B0604020202020204" pitchFamily="34" charset="0"/>
-                <a:ea typeface="微软雅黑" panose="020B0503020204020204" pitchFamily="34" charset="-122"/>
-                <a:cs typeface="Arial" panose="020B0604020202020204" pitchFamily="34" charset="0"/>
-              </a:rPr>
-              <a:t>Kubernetes CNI - Bridge Mode</a:t>
-            </a:r>
-          </a:p>
-        </p:txBody>
-      </p:sp>
-      <p:sp>
-        <p:nvSpPr>
           <p:cNvPr id="4" name="矩形 3"/>
           <p:cNvSpPr/>
           <p:nvPr/>
@@ -11853,6 +11801,45 @@
           </a:fontRef>
         </p:style>
       </p:cxnSp>
+      <p:sp>
+        <p:nvSpPr>
+          <p:cNvPr id="29" name="文本框 28">
+            <a:extLst>
+              <a:ext uri="{FF2B5EF4-FFF2-40B4-BE49-F238E27FC236}">
+                <a16:creationId xmlns:a16="http://schemas.microsoft.com/office/drawing/2014/main" id="{6DC546DA-1FC2-4E39-9184-5487A26EDADA}"/>
+              </a:ext>
+            </a:extLst>
+          </p:cNvPr>
+          <p:cNvSpPr txBox="1"/>
+          <p:nvPr/>
+        </p:nvSpPr>
+        <p:spPr>
+          <a:xfrm>
+            <a:off x="531223" y="391886"/>
+            <a:ext cx="2803460" cy="338554"/>
+          </a:xfrm>
+          <a:prstGeom prst="rect">
+            <a:avLst/>
+          </a:prstGeom>
+          <a:noFill/>
+        </p:spPr>
+        <p:txBody>
+          <a:bodyPr wrap="none" rtlCol="0">
+            <a:spAutoFit/>
+          </a:bodyPr>
+          <a:lstStyle/>
+          <a:p>
+            <a:r>
+              <a:rPr lang="en-US" altLang="zh-CN" sz="1600" dirty="0" smtClean="0">
+                <a:latin typeface="Arial" panose="020B0604020202020204" pitchFamily="34" charset="0"/>
+                <a:ea typeface="微软雅黑" panose="020B0503020204020204" pitchFamily="34" charset="-122"/>
+                <a:cs typeface="Arial" panose="020B0604020202020204" pitchFamily="34" charset="0"/>
+              </a:rPr>
+              <a:t>Calico IPIP Mode - DataPath</a:t>
+            </a:r>
+          </a:p>
+        </p:txBody>
+      </p:sp>
     </p:spTree>
     <p:extLst>
       <p:ext uri="{BB962C8B-B14F-4D97-AF65-F5344CB8AC3E}">
